--- a/Train_Lee/project_titnic.pptx
+++ b/Train_Lee/project_titnic.pptx
@@ -3497,12 +3497,207 @@
           </a:p>
         </p:txBody>
       </p:sp>
+      <p:sp>
+        <p:nvSpPr>
+          <p:cNvPr id="3" name="TextBox 2">
+            <a:extLst>
+              <a:ext uri="{FF2B5EF4-FFF2-40B4-BE49-F238E27FC236}">
+                <a16:creationId xmlns:a16="http://schemas.microsoft.com/office/drawing/2014/main" id="{990DD04C-A2EC-7C51-FDD1-A81F8888B8EA}"/>
+              </a:ext>
+            </a:extLst>
+          </p:cNvPr>
+          <p:cNvSpPr txBox="1"/>
+          <p:nvPr/>
+        </p:nvSpPr>
+        <p:spPr>
+          <a:xfrm>
+            <a:off x="6828647" y="1924729"/>
+            <a:ext cx="5143219" cy="4436151"/>
+          </a:xfrm>
+          <a:prstGeom prst="rect">
+            <a:avLst/>
+          </a:prstGeom>
+          <a:noFill/>
+        </p:spPr>
+        <p:txBody>
+          <a:bodyPr wrap="square" rtlCol="0">
+            <a:spAutoFit/>
+          </a:bodyPr>
+          <a:lstStyle/>
+          <a:p>
+            <a:pPr marL="285750" indent="-285750">
+              <a:lnSpc>
+                <a:spcPct val="200000"/>
+              </a:lnSpc>
+              <a:buFont typeface="Arial" panose="020B0604020202020204" pitchFamily="34" charset="0"/>
+              <a:buChar char="•"/>
+            </a:pPr>
+            <a:r>
+              <a:rPr lang="ko-KR" altLang="en-US" dirty="0"/>
+              <a:t>총 인원</a:t>
+            </a:r>
+            <a:r>
+              <a:rPr lang="en-US" altLang="ko-KR" dirty="0"/>
+              <a:t>: 891</a:t>
+            </a:r>
+            <a:r>
+              <a:rPr lang="ko-KR" altLang="en-US" dirty="0"/>
+              <a:t>명</a:t>
+            </a:r>
+            <a:endParaRPr lang="en-US" altLang="ko-KR" dirty="0"/>
+          </a:p>
+          <a:p>
+            <a:pPr marL="285750" indent="-285750">
+              <a:lnSpc>
+                <a:spcPct val="200000"/>
+              </a:lnSpc>
+              <a:buFont typeface="Arial" panose="020B0604020202020204" pitchFamily="34" charset="0"/>
+              <a:buChar char="•"/>
+            </a:pPr>
+            <a:r>
+              <a:rPr lang="ko-KR" altLang="en-US" dirty="0"/>
+              <a:t>가장 높은 </a:t>
+            </a:r>
+            <a:r>
+              <a:rPr lang="ko-KR" altLang="en-US" dirty="0" err="1"/>
+              <a:t>생존률의</a:t>
+            </a:r>
+            <a:r>
+              <a:rPr lang="ko-KR" altLang="en-US" dirty="0"/>
+              <a:t> 객실 번호</a:t>
+            </a:r>
+            <a:r>
+              <a:rPr lang="en-US" altLang="ko-KR" dirty="0"/>
+              <a:t>: D</a:t>
+            </a:r>
+          </a:p>
+          <a:p>
+            <a:pPr marL="285750" indent="-285750">
+              <a:lnSpc>
+                <a:spcPct val="200000"/>
+              </a:lnSpc>
+              <a:buFont typeface="Arial" panose="020B0604020202020204" pitchFamily="34" charset="0"/>
+              <a:buChar char="•"/>
+            </a:pPr>
+            <a:r>
+              <a:rPr lang="ko-KR" altLang="en-US" dirty="0"/>
+              <a:t>가장 낮은 </a:t>
+            </a:r>
+            <a:r>
+              <a:rPr lang="ko-KR" altLang="en-US" dirty="0" err="1"/>
+              <a:t>생존률의</a:t>
+            </a:r>
+            <a:r>
+              <a:rPr lang="ko-KR" altLang="en-US" dirty="0"/>
+              <a:t> 객실 번호</a:t>
+            </a:r>
+            <a:r>
+              <a:rPr lang="en-US" altLang="ko-KR" dirty="0"/>
+              <a:t>: NONE</a:t>
+            </a:r>
+          </a:p>
+          <a:p>
+            <a:pPr marL="285750" indent="-285750">
+              <a:lnSpc>
+                <a:spcPct val="200000"/>
+              </a:lnSpc>
+              <a:buFont typeface="Arial" panose="020B0604020202020204" pitchFamily="34" charset="0"/>
+              <a:buChar char="•"/>
+            </a:pPr>
+            <a:r>
+              <a:rPr lang="ko-KR" altLang="en-US" dirty="0"/>
+              <a:t>가장 많은 인원수의 객실 번호</a:t>
+            </a:r>
+            <a:r>
+              <a:rPr lang="en-US" altLang="ko-KR" dirty="0"/>
+              <a:t>: NONE(687</a:t>
+            </a:r>
+            <a:r>
+              <a:rPr lang="ko-KR" altLang="en-US" dirty="0"/>
+              <a:t>명</a:t>
+            </a:r>
+            <a:r>
+              <a:rPr lang="en-US" altLang="ko-KR" dirty="0"/>
+              <a:t>)</a:t>
+            </a:r>
+          </a:p>
+          <a:p>
+            <a:pPr marL="285750" indent="-285750">
+              <a:lnSpc>
+                <a:spcPct val="200000"/>
+              </a:lnSpc>
+              <a:buFont typeface="Arial" panose="020B0604020202020204" pitchFamily="34" charset="0"/>
+              <a:buChar char="•"/>
+            </a:pPr>
+            <a:r>
+              <a:rPr lang="ko-KR" altLang="en-US" dirty="0"/>
+              <a:t>가장 적은 인원수의 객실 번호</a:t>
+            </a:r>
+            <a:r>
+              <a:rPr lang="en-US" altLang="ko-KR" dirty="0"/>
+              <a:t>: G(4</a:t>
+            </a:r>
+            <a:r>
+              <a:rPr lang="ko-KR" altLang="en-US" dirty="0"/>
+              <a:t>명</a:t>
+            </a:r>
+            <a:r>
+              <a:rPr lang="en-US" altLang="ko-KR" dirty="0"/>
+              <a:t>)</a:t>
+            </a:r>
+          </a:p>
+          <a:p>
+            <a:pPr marL="285750" indent="-285750">
+              <a:lnSpc>
+                <a:spcPct val="200000"/>
+              </a:lnSpc>
+              <a:buFont typeface="Arial" panose="020B0604020202020204" pitchFamily="34" charset="0"/>
+              <a:buChar char="•"/>
+            </a:pPr>
+            <a:r>
+              <a:rPr lang="en-US" altLang="ko-KR" b="1" dirty="0"/>
+              <a:t>A</a:t>
+            </a:r>
+            <a:r>
+              <a:rPr lang="ko-KR" altLang="en-US" b="1" dirty="0"/>
+              <a:t>객실과 객실이 없는 사람들을 제외한 </a:t>
+            </a:r>
+            <a:br>
+              <a:rPr lang="en-US" altLang="ko-KR" b="1" dirty="0"/>
+            </a:br>
+            <a:r>
+              <a:rPr lang="ko-KR" altLang="en-US" b="1" dirty="0"/>
+              <a:t>나머지 객실의 </a:t>
+            </a:r>
+            <a:r>
+              <a:rPr lang="ko-KR" altLang="en-US" b="1" dirty="0" err="1"/>
+              <a:t>생존률은</a:t>
+            </a:r>
+            <a:r>
+              <a:rPr lang="ko-KR" altLang="en-US" b="1" dirty="0"/>
+              <a:t> </a:t>
+            </a:r>
+            <a:r>
+              <a:rPr lang="en-US" altLang="ko-KR" b="1" dirty="0"/>
+              <a:t>50%</a:t>
+            </a:r>
+            <a:r>
+              <a:rPr lang="ko-KR" altLang="en-US" b="1" dirty="0"/>
+              <a:t>를 넘는 것을 확인할 수 있다</a:t>
+            </a:r>
+            <a:r>
+              <a:rPr lang="en-US" altLang="ko-KR" b="1" dirty="0"/>
+              <a:t>.</a:t>
+            </a:r>
+          </a:p>
+        </p:txBody>
+      </p:sp>
       <p:pic>
         <p:nvPicPr>
-          <p:cNvPr id="7" name="그림 6">
-            <a:extLst>
-              <a:ext uri="{FF2B5EF4-FFF2-40B4-BE49-F238E27FC236}">
-                <a16:creationId xmlns:a16="http://schemas.microsoft.com/office/drawing/2014/main" id="{E8A36F90-7B67-D2BD-BCCD-CF5C3A467F12}"/>
+          <p:cNvPr id="5" name="그림 4">
+            <a:extLst>
+              <a:ext uri="{FF2B5EF4-FFF2-40B4-BE49-F238E27FC236}">
+                <a16:creationId xmlns:a16="http://schemas.microsoft.com/office/drawing/2014/main" id="{FF00303B-B9C1-5A4E-153E-A9A7AC18A6D7}"/>
               </a:ext>
             </a:extLst>
           </p:cNvPr>
@@ -3519,198 +3714,14 @@
         </p:blipFill>
         <p:spPr>
           <a:xfrm>
-            <a:off x="838200" y="1924729"/>
-            <a:ext cx="5753100" cy="4314825"/>
+            <a:off x="838200" y="1690688"/>
+            <a:ext cx="5495925" cy="4286250"/>
           </a:xfrm>
           <a:prstGeom prst="rect">
             <a:avLst/>
           </a:prstGeom>
         </p:spPr>
       </p:pic>
-      <p:sp>
-        <p:nvSpPr>
-          <p:cNvPr id="3" name="TextBox 2">
-            <a:extLst>
-              <a:ext uri="{FF2B5EF4-FFF2-40B4-BE49-F238E27FC236}">
-                <a16:creationId xmlns:a16="http://schemas.microsoft.com/office/drawing/2014/main" id="{990DD04C-A2EC-7C51-FDD1-A81F8888B8EA}"/>
-              </a:ext>
-            </a:extLst>
-          </p:cNvPr>
-          <p:cNvSpPr txBox="1"/>
-          <p:nvPr/>
-        </p:nvSpPr>
-        <p:spPr>
-          <a:xfrm>
-            <a:off x="6828647" y="1924729"/>
-            <a:ext cx="5143219" cy="3882153"/>
-          </a:xfrm>
-          <a:prstGeom prst="rect">
-            <a:avLst/>
-          </a:prstGeom>
-          <a:noFill/>
-        </p:spPr>
-        <p:txBody>
-          <a:bodyPr wrap="square" rtlCol="0">
-            <a:spAutoFit/>
-          </a:bodyPr>
-          <a:lstStyle/>
-          <a:p>
-            <a:pPr marL="285750" indent="-285750">
-              <a:lnSpc>
-                <a:spcPct val="200000"/>
-              </a:lnSpc>
-              <a:buFont typeface="Arial" panose="020B0604020202020204" pitchFamily="34" charset="0"/>
-              <a:buChar char="•"/>
-            </a:pPr>
-            <a:r>
-              <a:rPr lang="ko-KR" altLang="en-US" dirty="0"/>
-              <a:t>총 인원</a:t>
-            </a:r>
-            <a:r>
-              <a:rPr lang="en-US" altLang="ko-KR" dirty="0"/>
-              <a:t>: 891</a:t>
-            </a:r>
-            <a:r>
-              <a:rPr lang="ko-KR" altLang="en-US" dirty="0"/>
-              <a:t>명</a:t>
-            </a:r>
-            <a:endParaRPr lang="en-US" altLang="ko-KR" dirty="0"/>
-          </a:p>
-          <a:p>
-            <a:pPr marL="285750" indent="-285750">
-              <a:lnSpc>
-                <a:spcPct val="200000"/>
-              </a:lnSpc>
-              <a:buFont typeface="Arial" panose="020B0604020202020204" pitchFamily="34" charset="0"/>
-              <a:buChar char="•"/>
-            </a:pPr>
-            <a:r>
-              <a:rPr lang="ko-KR" altLang="en-US" dirty="0"/>
-              <a:t>가장 높은 </a:t>
-            </a:r>
-            <a:r>
-              <a:rPr lang="ko-KR" altLang="en-US" dirty="0" err="1"/>
-              <a:t>생존률의</a:t>
-            </a:r>
-            <a:r>
-              <a:rPr lang="ko-KR" altLang="en-US" dirty="0"/>
-              <a:t> 객실 번호</a:t>
-            </a:r>
-            <a:r>
-              <a:rPr lang="en-US" altLang="ko-KR" dirty="0"/>
-              <a:t>: A</a:t>
-            </a:r>
-          </a:p>
-          <a:p>
-            <a:pPr marL="285750" indent="-285750">
-              <a:lnSpc>
-                <a:spcPct val="200000"/>
-              </a:lnSpc>
-              <a:buFont typeface="Arial" panose="020B0604020202020204" pitchFamily="34" charset="0"/>
-              <a:buChar char="•"/>
-            </a:pPr>
-            <a:r>
-              <a:rPr lang="ko-KR" altLang="en-US" dirty="0"/>
-              <a:t>가장 낮은 </a:t>
-            </a:r>
-            <a:r>
-              <a:rPr lang="ko-KR" altLang="en-US" dirty="0" err="1"/>
-              <a:t>생존률의</a:t>
-            </a:r>
-            <a:r>
-              <a:rPr lang="ko-KR" altLang="en-US" dirty="0"/>
-              <a:t> 객실 번호</a:t>
-            </a:r>
-            <a:r>
-              <a:rPr lang="en-US" altLang="ko-KR" dirty="0"/>
-              <a:t>: G</a:t>
-            </a:r>
-          </a:p>
-          <a:p>
-            <a:pPr marL="285750" indent="-285750">
-              <a:lnSpc>
-                <a:spcPct val="200000"/>
-              </a:lnSpc>
-              <a:buFont typeface="Arial" panose="020B0604020202020204" pitchFamily="34" charset="0"/>
-              <a:buChar char="•"/>
-            </a:pPr>
-            <a:r>
-              <a:rPr lang="ko-KR" altLang="en-US" dirty="0"/>
-              <a:t>가장 많은 인원수의 객실 번호</a:t>
-            </a:r>
-            <a:r>
-              <a:rPr lang="en-US" altLang="ko-KR" dirty="0"/>
-              <a:t>: NONE(687</a:t>
-            </a:r>
-            <a:r>
-              <a:rPr lang="ko-KR" altLang="en-US" dirty="0"/>
-              <a:t>명</a:t>
-            </a:r>
-            <a:r>
-              <a:rPr lang="en-US" altLang="ko-KR" dirty="0"/>
-              <a:t>)</a:t>
-            </a:r>
-          </a:p>
-          <a:p>
-            <a:pPr marL="285750" indent="-285750">
-              <a:lnSpc>
-                <a:spcPct val="200000"/>
-              </a:lnSpc>
-              <a:buFont typeface="Arial" panose="020B0604020202020204" pitchFamily="34" charset="0"/>
-              <a:buChar char="•"/>
-            </a:pPr>
-            <a:r>
-              <a:rPr lang="ko-KR" altLang="en-US" dirty="0"/>
-              <a:t>가장 적은 인원수의 객실 번호</a:t>
-            </a:r>
-            <a:r>
-              <a:rPr lang="en-US" altLang="ko-KR" dirty="0"/>
-              <a:t>: G(4</a:t>
-            </a:r>
-            <a:r>
-              <a:rPr lang="ko-KR" altLang="en-US" dirty="0"/>
-              <a:t>명</a:t>
-            </a:r>
-            <a:r>
-              <a:rPr lang="en-US" altLang="ko-KR" dirty="0"/>
-              <a:t>)</a:t>
-            </a:r>
-          </a:p>
-          <a:p>
-            <a:pPr marL="285750" indent="-285750">
-              <a:lnSpc>
-                <a:spcPct val="200000"/>
-              </a:lnSpc>
-              <a:buFont typeface="Arial" panose="020B0604020202020204" pitchFamily="34" charset="0"/>
-              <a:buChar char="•"/>
-            </a:pPr>
-            <a:r>
-              <a:rPr lang="ko-KR" altLang="en-US" b="1" dirty="0"/>
-              <a:t>객실을 갖고 있지 않은 사람들의 </a:t>
-            </a:r>
-            <a:r>
-              <a:rPr lang="ko-KR" altLang="en-US" b="1" dirty="0" err="1"/>
-              <a:t>생존률이</a:t>
-            </a:r>
-            <a:r>
-              <a:rPr lang="ko-KR" altLang="en-US" b="1" dirty="0"/>
-              <a:t> 특정 객실 보다 </a:t>
-            </a:r>
-            <a:r>
-              <a:rPr lang="ko-KR" altLang="en-US" b="1" dirty="0" err="1"/>
-              <a:t>생존률이</a:t>
-            </a:r>
-            <a:r>
-              <a:rPr lang="ko-KR" altLang="en-US" b="1" dirty="0"/>
-              <a:t> 높다</a:t>
-            </a:r>
-            <a:r>
-              <a:rPr lang="en-US" altLang="ko-KR" b="1" dirty="0"/>
-              <a:t>.</a:t>
-            </a:r>
-          </a:p>
-        </p:txBody>
-      </p:sp>
     </p:spTree>
     <p:extLst>
       <p:ext uri="{BB962C8B-B14F-4D97-AF65-F5344CB8AC3E}">
@@ -3824,8 +3835,8 @@
         </p:nvSpPr>
         <p:spPr>
           <a:xfrm>
-            <a:off x="6766558" y="1839739"/>
-            <a:ext cx="5131930" cy="3882153"/>
+            <a:off x="6766557" y="1839739"/>
+            <a:ext cx="5289975" cy="4436151"/>
           </a:xfrm>
           <a:prstGeom prst="rect">
             <a:avLst/>
@@ -4037,8 +4048,12 @@
               <a:buChar char="•"/>
             </a:pPr>
             <a:r>
+              <a:rPr lang="en-US" altLang="ko-KR" b="1" dirty="0"/>
+              <a:t>0-10</a:t>
+            </a:r>
+            <a:r>
               <a:rPr lang="ko-KR" altLang="en-US" b="1" dirty="0"/>
-              <a:t>어린아이들의 </a:t>
+              <a:t>세의 </a:t>
             </a:r>
             <a:r>
               <a:rPr lang="ko-KR" altLang="en-US" b="1" dirty="0" err="1"/>
@@ -4046,7 +4061,23 @@
             </a:r>
             <a:r>
               <a:rPr lang="ko-KR" altLang="en-US" b="1" dirty="0"/>
-              <a:t> 가장 높다</a:t>
+              <a:t> 가장 높고 </a:t>
+            </a:r>
+            <a:r>
+              <a:rPr lang="en-US" altLang="ko-KR" b="1" dirty="0"/>
+              <a:t>11-60</a:t>
+            </a:r>
+            <a:r>
+              <a:rPr lang="ko-KR" altLang="en-US" b="1" dirty="0"/>
+              <a:t>세 까지의 </a:t>
+            </a:r>
+            <a:r>
+              <a:rPr lang="ko-KR" altLang="en-US" b="1" dirty="0" err="1"/>
+              <a:t>생존률은</a:t>
+            </a:r>
+            <a:r>
+              <a:rPr lang="ko-KR" altLang="en-US" b="1" dirty="0"/>
+              <a:t> 비슷하다는 점을 알 수 있다</a:t>
             </a:r>
             <a:r>
               <a:rPr lang="en-US" altLang="ko-KR" b="1" dirty="0"/>
@@ -4486,7 +4517,7 @@
         <p:spPr>
           <a:xfrm>
             <a:off x="6811715" y="2184277"/>
-            <a:ext cx="4828032" cy="3328155"/>
+            <a:ext cx="5007752" cy="3882153"/>
           </a:xfrm>
           <a:prstGeom prst="rect">
             <a:avLst/>
@@ -4629,8 +4660,28 @@
               <a:buChar char="•"/>
             </a:pPr>
             <a:r>
+              <a:rPr lang="ko-KR" altLang="en-US" b="1" dirty="0" err="1"/>
+              <a:t>생존률이</a:t>
+            </a:r>
+            <a:r>
               <a:rPr lang="ko-KR" altLang="en-US" b="1" dirty="0"/>
-              <a:t>특이사항 없음</a:t>
+              <a:t> </a:t>
+            </a:r>
+            <a:r>
+              <a:rPr lang="en-US" altLang="ko-KR" b="1" dirty="0"/>
+              <a:t>50%</a:t>
+            </a:r>
+            <a:r>
+              <a:rPr lang="ko-KR" altLang="en-US" b="1" dirty="0"/>
+              <a:t>가 넘는 동반인의 수는 </a:t>
+            </a:r>
+            <a:r>
+              <a:rPr lang="en-US" altLang="ko-KR" b="1" dirty="0"/>
+              <a:t>1~3</a:t>
+            </a:r>
+            <a:r>
+              <a:rPr lang="ko-KR" altLang="en-US" b="1" dirty="0"/>
+              <a:t>명임을 알 수 있다</a:t>
             </a:r>
             <a:r>
               <a:rPr lang="en-US" altLang="ko-KR" b="1" dirty="0"/>
@@ -5080,7 +5131,7 @@
         <p:spPr>
           <a:xfrm>
             <a:off x="6811715" y="2184277"/>
-            <a:ext cx="5261752" cy="3328155"/>
+            <a:ext cx="5261752" cy="3882153"/>
           </a:xfrm>
           <a:prstGeom prst="rect">
             <a:avLst/>
@@ -5224,7 +5275,15 @@
             </a:pPr>
             <a:r>
               <a:rPr lang="ko-KR" altLang="en-US" b="1" dirty="0"/>
-              <a:t>가장 비싼 요금의 티켓의 </a:t>
+              <a:t>가장 비싼 요금</a:t>
+            </a:r>
+            <a:r>
+              <a:rPr lang="en-US" altLang="ko-KR" b="1" dirty="0"/>
+              <a:t>(91-100)</a:t>
+            </a:r>
+            <a:r>
+              <a:rPr lang="ko-KR" altLang="en-US" b="1" dirty="0"/>
+              <a:t>의 티켓인 </a:t>
             </a:r>
             <a:r>
               <a:rPr lang="ko-KR" altLang="en-US" b="1" dirty="0" err="1"/>
@@ -5362,7 +5421,7 @@
         <p:spPr>
           <a:xfrm>
             <a:off x="6811715" y="2184277"/>
-            <a:ext cx="5261752" cy="3328155"/>
+            <a:ext cx="5261752" cy="3882153"/>
           </a:xfrm>
           <a:prstGeom prst="rect">
             <a:avLst/>
@@ -5506,7 +5565,23 @@
             </a:pPr>
             <a:r>
               <a:rPr lang="ko-KR" altLang="en-US" b="1" dirty="0"/>
-              <a:t>객실 등급이 높아질 수록 </a:t>
+              <a:t>객실 등급이 </a:t>
+            </a:r>
+            <a:r>
+              <a:rPr lang="en-US" altLang="ko-KR" b="1" dirty="0"/>
+              <a:t>3</a:t>
+            </a:r>
+            <a:r>
+              <a:rPr lang="ko-KR" altLang="en-US" b="1" dirty="0"/>
+              <a:t>→</a:t>
+            </a:r>
+            <a:r>
+              <a:rPr lang="en-US" altLang="ko-KR" b="1" dirty="0"/>
+              <a:t>1</a:t>
+            </a:r>
+            <a:r>
+              <a:rPr lang="ko-KR" altLang="en-US" b="1" dirty="0"/>
+              <a:t>로 높아질 수록 </a:t>
             </a:r>
             <a:r>
               <a:rPr lang="ko-KR" altLang="en-US" b="1" dirty="0" err="1"/>
@@ -5514,7 +5589,14 @@
             </a:r>
             <a:r>
               <a:rPr lang="ko-KR" altLang="en-US" b="1" dirty="0"/>
-              <a:t> 높아진다</a:t>
+              <a:t> </a:t>
+            </a:r>
+            <a:br>
+              <a:rPr lang="en-US" altLang="ko-KR" b="1" dirty="0"/>
+            </a:br>
+            <a:r>
+              <a:rPr lang="ko-KR" altLang="en-US" b="1" dirty="0"/>
+              <a:t>높아진다</a:t>
             </a:r>
             <a:r>
               <a:rPr lang="en-US" altLang="ko-KR" b="1" dirty="0"/>

--- a/Train_Lee/project_titnic.pptx
+++ b/Train_Lee/project_titnic.pptx
@@ -267,7 +267,7 @@
           <a:p>
             <a:fld id="{34DC53FB-0420-49F2-BCE9-C48261AABB47}" type="datetimeFigureOut">
               <a:rPr lang="ko-KR" altLang="en-US" smtClean="0"/>
-              <a:t>2022-08-09</a:t>
+              <a:t>2022-08-17</a:t>
             </a:fld>
             <a:endParaRPr lang="ko-KR" altLang="en-US"/>
           </a:p>
@@ -465,7 +465,7 @@
           <a:p>
             <a:fld id="{34DC53FB-0420-49F2-BCE9-C48261AABB47}" type="datetimeFigureOut">
               <a:rPr lang="ko-KR" altLang="en-US" smtClean="0"/>
-              <a:t>2022-08-09</a:t>
+              <a:t>2022-08-17</a:t>
             </a:fld>
             <a:endParaRPr lang="ko-KR" altLang="en-US"/>
           </a:p>
@@ -673,7 +673,7 @@
           <a:p>
             <a:fld id="{34DC53FB-0420-49F2-BCE9-C48261AABB47}" type="datetimeFigureOut">
               <a:rPr lang="ko-KR" altLang="en-US" smtClean="0"/>
-              <a:t>2022-08-09</a:t>
+              <a:t>2022-08-17</a:t>
             </a:fld>
             <a:endParaRPr lang="ko-KR" altLang="en-US"/>
           </a:p>
@@ -871,7 +871,7 @@
           <a:p>
             <a:fld id="{34DC53FB-0420-49F2-BCE9-C48261AABB47}" type="datetimeFigureOut">
               <a:rPr lang="ko-KR" altLang="en-US" smtClean="0"/>
-              <a:t>2022-08-09</a:t>
+              <a:t>2022-08-17</a:t>
             </a:fld>
             <a:endParaRPr lang="ko-KR" altLang="en-US"/>
           </a:p>
@@ -1146,7 +1146,7 @@
           <a:p>
             <a:fld id="{34DC53FB-0420-49F2-BCE9-C48261AABB47}" type="datetimeFigureOut">
               <a:rPr lang="ko-KR" altLang="en-US" smtClean="0"/>
-              <a:t>2022-08-09</a:t>
+              <a:t>2022-08-17</a:t>
             </a:fld>
             <a:endParaRPr lang="ko-KR" altLang="en-US"/>
           </a:p>
@@ -1411,7 +1411,7 @@
           <a:p>
             <a:fld id="{34DC53FB-0420-49F2-BCE9-C48261AABB47}" type="datetimeFigureOut">
               <a:rPr lang="ko-KR" altLang="en-US" smtClean="0"/>
-              <a:t>2022-08-09</a:t>
+              <a:t>2022-08-17</a:t>
             </a:fld>
             <a:endParaRPr lang="ko-KR" altLang="en-US"/>
           </a:p>
@@ -1823,7 +1823,7 @@
           <a:p>
             <a:fld id="{34DC53FB-0420-49F2-BCE9-C48261AABB47}" type="datetimeFigureOut">
               <a:rPr lang="ko-KR" altLang="en-US" smtClean="0"/>
-              <a:t>2022-08-09</a:t>
+              <a:t>2022-08-17</a:t>
             </a:fld>
             <a:endParaRPr lang="ko-KR" altLang="en-US"/>
           </a:p>
@@ -1964,7 +1964,7 @@
           <a:p>
             <a:fld id="{34DC53FB-0420-49F2-BCE9-C48261AABB47}" type="datetimeFigureOut">
               <a:rPr lang="ko-KR" altLang="en-US" smtClean="0"/>
-              <a:t>2022-08-09</a:t>
+              <a:t>2022-08-17</a:t>
             </a:fld>
             <a:endParaRPr lang="ko-KR" altLang="en-US"/>
           </a:p>
@@ -2077,7 +2077,7 @@
           <a:p>
             <a:fld id="{34DC53FB-0420-49F2-BCE9-C48261AABB47}" type="datetimeFigureOut">
               <a:rPr lang="ko-KR" altLang="en-US" smtClean="0"/>
-              <a:t>2022-08-09</a:t>
+              <a:t>2022-08-17</a:t>
             </a:fld>
             <a:endParaRPr lang="ko-KR" altLang="en-US"/>
           </a:p>
@@ -2388,7 +2388,7 @@
           <a:p>
             <a:fld id="{34DC53FB-0420-49F2-BCE9-C48261AABB47}" type="datetimeFigureOut">
               <a:rPr lang="ko-KR" altLang="en-US" smtClean="0"/>
-              <a:t>2022-08-09</a:t>
+              <a:t>2022-08-17</a:t>
             </a:fld>
             <a:endParaRPr lang="ko-KR" altLang="en-US"/>
           </a:p>
@@ -2676,7 +2676,7 @@
           <a:p>
             <a:fld id="{34DC53FB-0420-49F2-BCE9-C48261AABB47}" type="datetimeFigureOut">
               <a:rPr lang="ko-KR" altLang="en-US" smtClean="0"/>
-              <a:t>2022-08-09</a:t>
+              <a:t>2022-08-17</a:t>
             </a:fld>
             <a:endParaRPr lang="ko-KR" altLang="en-US"/>
           </a:p>
@@ -2917,7 +2917,7 @@
           <a:p>
             <a:fld id="{34DC53FB-0420-49F2-BCE9-C48261AABB47}" type="datetimeFigureOut">
               <a:rPr lang="ko-KR" altLang="en-US" smtClean="0"/>
-              <a:t>2022-08-09</a:t>
+              <a:t>2022-08-17</a:t>
             </a:fld>
             <a:endParaRPr lang="ko-KR" altLang="en-US"/>
           </a:p>
@@ -3791,12 +3791,277 @@
           </a:p>
         </p:txBody>
       </p:sp>
+      <p:sp>
+        <p:nvSpPr>
+          <p:cNvPr id="3" name="TextBox 2">
+            <a:extLst>
+              <a:ext uri="{FF2B5EF4-FFF2-40B4-BE49-F238E27FC236}">
+                <a16:creationId xmlns:a16="http://schemas.microsoft.com/office/drawing/2014/main" id="{9E25240B-3E20-1B5B-DDB7-C9D0653E89AE}"/>
+              </a:ext>
+            </a:extLst>
+          </p:cNvPr>
+          <p:cNvSpPr txBox="1"/>
+          <p:nvPr/>
+        </p:nvSpPr>
+        <p:spPr>
+          <a:xfrm>
+            <a:off x="6766557" y="1839739"/>
+            <a:ext cx="5289975" cy="4436151"/>
+          </a:xfrm>
+          <a:prstGeom prst="rect">
+            <a:avLst/>
+          </a:prstGeom>
+          <a:noFill/>
+        </p:spPr>
+        <p:txBody>
+          <a:bodyPr wrap="square" rtlCol="0">
+            <a:spAutoFit/>
+          </a:bodyPr>
+          <a:lstStyle/>
+          <a:p>
+            <a:pPr marL="285750" indent="-285750">
+              <a:lnSpc>
+                <a:spcPct val="200000"/>
+              </a:lnSpc>
+              <a:buFont typeface="Arial" panose="020B0604020202020204" pitchFamily="34" charset="0"/>
+              <a:buChar char="•"/>
+            </a:pPr>
+            <a:r>
+              <a:rPr lang="ko-KR" altLang="en-US" dirty="0"/>
+              <a:t>총 인원</a:t>
+            </a:r>
+            <a:r>
+              <a:rPr lang="en-US" altLang="ko-KR" dirty="0"/>
+              <a:t>: 708</a:t>
+            </a:r>
+            <a:r>
+              <a:rPr lang="ko-KR" altLang="en-US" dirty="0"/>
+              <a:t>명 </a:t>
+            </a:r>
+            <a:endParaRPr lang="en-US" altLang="ko-KR" dirty="0"/>
+          </a:p>
+          <a:p>
+            <a:pPr>
+              <a:lnSpc>
+                <a:spcPct val="200000"/>
+              </a:lnSpc>
+            </a:pPr>
+            <a:r>
+              <a:rPr lang="en-US" altLang="ko-KR" dirty="0"/>
+              <a:t>    (</a:t>
+            </a:r>
+            <a:r>
+              <a:rPr lang="ko-KR" altLang="en-US" dirty="0"/>
+              <a:t>나이 정보 없는 사람 </a:t>
+            </a:r>
+            <a:r>
+              <a:rPr lang="en-US" altLang="ko-KR" dirty="0"/>
+              <a:t>183</a:t>
+            </a:r>
+            <a:r>
+              <a:rPr lang="ko-KR" altLang="en-US" dirty="0"/>
+              <a:t>명을 뺀 인원 수 </a:t>
+            </a:r>
+            <a:r>
+              <a:rPr lang="en-US" altLang="ko-KR" dirty="0"/>
+              <a:t>)</a:t>
+            </a:r>
+          </a:p>
+          <a:p>
+            <a:pPr marL="285750" indent="-285750">
+              <a:lnSpc>
+                <a:spcPct val="200000"/>
+              </a:lnSpc>
+              <a:buFont typeface="Arial" panose="020B0604020202020204" pitchFamily="34" charset="0"/>
+              <a:buChar char="•"/>
+            </a:pPr>
+            <a:r>
+              <a:rPr lang="ko-KR" altLang="en-US" dirty="0"/>
+              <a:t>가장 높은 </a:t>
+            </a:r>
+            <a:r>
+              <a:rPr lang="ko-KR" altLang="en-US" dirty="0" err="1"/>
+              <a:t>생존률의</a:t>
+            </a:r>
+            <a:r>
+              <a:rPr lang="ko-KR" altLang="en-US" dirty="0"/>
+              <a:t> </a:t>
+            </a:r>
+            <a:r>
+              <a:rPr lang="ko-KR" altLang="en-US" dirty="0" err="1"/>
+              <a:t>나이대</a:t>
+            </a:r>
+            <a:r>
+              <a:rPr lang="en-US" altLang="ko-KR" dirty="0"/>
+              <a:t>: 0-10</a:t>
+            </a:r>
+            <a:r>
+              <a:rPr lang="ko-KR" altLang="en-US" dirty="0"/>
+              <a:t>세</a:t>
+            </a:r>
+            <a:endParaRPr lang="en-US" altLang="ko-KR" dirty="0"/>
+          </a:p>
+          <a:p>
+            <a:pPr marL="285750" indent="-285750">
+              <a:lnSpc>
+                <a:spcPct val="200000"/>
+              </a:lnSpc>
+              <a:buFont typeface="Arial" panose="020B0604020202020204" pitchFamily="34" charset="0"/>
+              <a:buChar char="•"/>
+            </a:pPr>
+            <a:r>
+              <a:rPr lang="ko-KR" altLang="en-US" dirty="0"/>
+              <a:t>가장 낮은 </a:t>
+            </a:r>
+            <a:r>
+              <a:rPr lang="ko-KR" altLang="en-US" dirty="0" err="1"/>
+              <a:t>생존률의</a:t>
+            </a:r>
+            <a:r>
+              <a:rPr lang="ko-KR" altLang="en-US" dirty="0"/>
+              <a:t> </a:t>
+            </a:r>
+            <a:r>
+              <a:rPr lang="ko-KR" altLang="en-US" dirty="0" err="1"/>
+              <a:t>나이대</a:t>
+            </a:r>
+            <a:r>
+              <a:rPr lang="en-US" altLang="ko-KR" dirty="0"/>
+              <a:t>: 61-70</a:t>
+            </a:r>
+            <a:r>
+              <a:rPr lang="ko-KR" altLang="en-US" dirty="0"/>
+              <a:t>세</a:t>
+            </a:r>
+            <a:endParaRPr lang="en-US" altLang="ko-KR" dirty="0"/>
+          </a:p>
+          <a:p>
+            <a:pPr marL="285750" indent="-285750">
+              <a:lnSpc>
+                <a:spcPct val="200000"/>
+              </a:lnSpc>
+              <a:buFont typeface="Arial" panose="020B0604020202020204" pitchFamily="34" charset="0"/>
+              <a:buChar char="•"/>
+            </a:pPr>
+            <a:r>
+              <a:rPr lang="ko-KR" altLang="en-US" dirty="0"/>
+              <a:t>가장 많은 인원수의 </a:t>
+            </a:r>
+            <a:r>
+              <a:rPr lang="ko-KR" altLang="en-US" dirty="0" err="1"/>
+              <a:t>나이대</a:t>
+            </a:r>
+            <a:r>
+              <a:rPr lang="en-US" altLang="ko-KR" dirty="0"/>
+              <a:t>: 21-30</a:t>
+            </a:r>
+            <a:r>
+              <a:rPr lang="ko-KR" altLang="en-US" dirty="0"/>
+              <a:t>세</a:t>
+            </a:r>
+            <a:r>
+              <a:rPr lang="en-US" altLang="ko-KR" dirty="0"/>
+              <a:t>(229</a:t>
+            </a:r>
+            <a:r>
+              <a:rPr lang="ko-KR" altLang="en-US" dirty="0"/>
+              <a:t>명</a:t>
+            </a:r>
+            <a:r>
+              <a:rPr lang="en-US" altLang="ko-KR" dirty="0"/>
+              <a:t>)</a:t>
+            </a:r>
+          </a:p>
+          <a:p>
+            <a:pPr marL="285750" indent="-285750">
+              <a:lnSpc>
+                <a:spcPct val="200000"/>
+              </a:lnSpc>
+              <a:buFont typeface="Arial" panose="020B0604020202020204" pitchFamily="34" charset="0"/>
+              <a:buChar char="•"/>
+            </a:pPr>
+            <a:r>
+              <a:rPr lang="ko-KR" altLang="en-US" dirty="0"/>
+              <a:t>가장 적은 인원수의 </a:t>
+            </a:r>
+            <a:r>
+              <a:rPr lang="ko-KR" altLang="en-US" dirty="0" err="1"/>
+              <a:t>나이대</a:t>
+            </a:r>
+            <a:r>
+              <a:rPr lang="en-US" altLang="ko-KR" dirty="0"/>
+              <a:t>: 61-70</a:t>
+            </a:r>
+            <a:r>
+              <a:rPr lang="ko-KR" altLang="en-US" dirty="0"/>
+              <a:t>세</a:t>
+            </a:r>
+            <a:r>
+              <a:rPr lang="en-US" altLang="ko-KR" dirty="0"/>
+              <a:t>(8</a:t>
+            </a:r>
+            <a:r>
+              <a:rPr lang="ko-KR" altLang="en-US" dirty="0"/>
+              <a:t>명</a:t>
+            </a:r>
+            <a:r>
+              <a:rPr lang="en-US" altLang="ko-KR" dirty="0"/>
+              <a:t>)</a:t>
+            </a:r>
+          </a:p>
+          <a:p>
+            <a:pPr marL="285750" indent="-285750">
+              <a:lnSpc>
+                <a:spcPct val="200000"/>
+              </a:lnSpc>
+              <a:buFont typeface="Arial" panose="020B0604020202020204" pitchFamily="34" charset="0"/>
+              <a:buChar char="•"/>
+            </a:pPr>
+            <a:r>
+              <a:rPr lang="en-US" altLang="ko-KR" b="1" dirty="0"/>
+              <a:t>0-10</a:t>
+            </a:r>
+            <a:r>
+              <a:rPr lang="ko-KR" altLang="en-US" b="1" dirty="0"/>
+              <a:t>세의 </a:t>
+            </a:r>
+            <a:r>
+              <a:rPr lang="ko-KR" altLang="en-US" b="1" dirty="0" err="1"/>
+              <a:t>생존률이</a:t>
+            </a:r>
+            <a:r>
+              <a:rPr lang="ko-KR" altLang="en-US" b="1" dirty="0"/>
+              <a:t> 가장 높고 </a:t>
+            </a:r>
+            <a:r>
+              <a:rPr lang="en-US" altLang="ko-KR" b="1" dirty="0"/>
+              <a:t>11-60</a:t>
+            </a:r>
+            <a:r>
+              <a:rPr lang="ko-KR" altLang="en-US" b="1" dirty="0"/>
+              <a:t>세 까지의 </a:t>
+            </a:r>
+            <a:r>
+              <a:rPr lang="ko-KR" altLang="en-US" b="1" dirty="0" err="1"/>
+              <a:t>생존률은</a:t>
+            </a:r>
+            <a:r>
+              <a:rPr lang="ko-KR" altLang="en-US" b="1" dirty="0"/>
+              <a:t> 비슷하다는 점을 알 수 있다</a:t>
+            </a:r>
+            <a:r>
+              <a:rPr lang="en-US" altLang="ko-KR" b="1" dirty="0"/>
+              <a:t>.</a:t>
+            </a:r>
+          </a:p>
+        </p:txBody>
+      </p:sp>
       <p:pic>
         <p:nvPicPr>
-          <p:cNvPr id="5" name="그림 4">
-            <a:extLst>
-              <a:ext uri="{FF2B5EF4-FFF2-40B4-BE49-F238E27FC236}">
-                <a16:creationId xmlns:a16="http://schemas.microsoft.com/office/drawing/2014/main" id="{2C4E03BC-FC44-253C-2EEA-F7388D2B741D}"/>
+          <p:cNvPr id="8" name="그림 7">
+            <a:extLst>
+              <a:ext uri="{FF2B5EF4-FFF2-40B4-BE49-F238E27FC236}">
+                <a16:creationId xmlns:a16="http://schemas.microsoft.com/office/drawing/2014/main" id="{BD550ABE-9C94-357D-D855-B8C4EDCB7ECE}"/>
               </a:ext>
             </a:extLst>
           </p:cNvPr>
@@ -3813,279 +4078,14 @@
         </p:blipFill>
         <p:spPr>
           <a:xfrm>
-            <a:off x="838200" y="1814521"/>
-            <a:ext cx="5648325" cy="4286250"/>
+            <a:off x="838200" y="1690688"/>
+            <a:ext cx="5505450" cy="4267200"/>
           </a:xfrm>
           <a:prstGeom prst="rect">
             <a:avLst/>
           </a:prstGeom>
         </p:spPr>
       </p:pic>
-      <p:sp>
-        <p:nvSpPr>
-          <p:cNvPr id="3" name="TextBox 2">
-            <a:extLst>
-              <a:ext uri="{FF2B5EF4-FFF2-40B4-BE49-F238E27FC236}">
-                <a16:creationId xmlns:a16="http://schemas.microsoft.com/office/drawing/2014/main" id="{9E25240B-3E20-1B5B-DDB7-C9D0653E89AE}"/>
-              </a:ext>
-            </a:extLst>
-          </p:cNvPr>
-          <p:cNvSpPr txBox="1"/>
-          <p:nvPr/>
-        </p:nvSpPr>
-        <p:spPr>
-          <a:xfrm>
-            <a:off x="6766557" y="1839739"/>
-            <a:ext cx="5289975" cy="4436151"/>
-          </a:xfrm>
-          <a:prstGeom prst="rect">
-            <a:avLst/>
-          </a:prstGeom>
-          <a:noFill/>
-        </p:spPr>
-        <p:txBody>
-          <a:bodyPr wrap="square" rtlCol="0">
-            <a:spAutoFit/>
-          </a:bodyPr>
-          <a:lstStyle/>
-          <a:p>
-            <a:pPr marL="285750" indent="-285750">
-              <a:lnSpc>
-                <a:spcPct val="200000"/>
-              </a:lnSpc>
-              <a:buFont typeface="Arial" panose="020B0604020202020204" pitchFamily="34" charset="0"/>
-              <a:buChar char="•"/>
-            </a:pPr>
-            <a:r>
-              <a:rPr lang="ko-KR" altLang="en-US" dirty="0"/>
-              <a:t>총 인원</a:t>
-            </a:r>
-            <a:r>
-              <a:rPr lang="en-US" altLang="ko-KR" dirty="0"/>
-              <a:t>: 708</a:t>
-            </a:r>
-            <a:r>
-              <a:rPr lang="ko-KR" altLang="en-US" dirty="0"/>
-              <a:t>명 </a:t>
-            </a:r>
-            <a:endParaRPr lang="en-US" altLang="ko-KR" dirty="0"/>
-          </a:p>
-          <a:p>
-            <a:pPr>
-              <a:lnSpc>
-                <a:spcPct val="200000"/>
-              </a:lnSpc>
-            </a:pPr>
-            <a:r>
-              <a:rPr lang="en-US" altLang="ko-KR" dirty="0"/>
-              <a:t>    (</a:t>
-            </a:r>
-            <a:r>
-              <a:rPr lang="ko-KR" altLang="en-US" dirty="0"/>
-              <a:t>나이 정보 없는 사람 </a:t>
-            </a:r>
-            <a:r>
-              <a:rPr lang="en-US" altLang="ko-KR" dirty="0"/>
-              <a:t>183</a:t>
-            </a:r>
-            <a:r>
-              <a:rPr lang="ko-KR" altLang="en-US" dirty="0"/>
-              <a:t>명을 뺀 인원 수 </a:t>
-            </a:r>
-            <a:r>
-              <a:rPr lang="en-US" altLang="ko-KR" dirty="0"/>
-              <a:t>)</a:t>
-            </a:r>
-          </a:p>
-          <a:p>
-            <a:pPr marL="285750" indent="-285750">
-              <a:lnSpc>
-                <a:spcPct val="200000"/>
-              </a:lnSpc>
-              <a:buFont typeface="Arial" panose="020B0604020202020204" pitchFamily="34" charset="0"/>
-              <a:buChar char="•"/>
-            </a:pPr>
-            <a:r>
-              <a:rPr lang="ko-KR" altLang="en-US" dirty="0"/>
-              <a:t>가장 높은 </a:t>
-            </a:r>
-            <a:r>
-              <a:rPr lang="ko-KR" altLang="en-US" dirty="0" err="1"/>
-              <a:t>생존률의</a:t>
-            </a:r>
-            <a:r>
-              <a:rPr lang="ko-KR" altLang="en-US" dirty="0"/>
-              <a:t> </a:t>
-            </a:r>
-            <a:r>
-              <a:rPr lang="ko-KR" altLang="en-US" dirty="0" err="1"/>
-              <a:t>나이대</a:t>
-            </a:r>
-            <a:r>
-              <a:rPr lang="en-US" altLang="ko-KR" dirty="0"/>
-              <a:t>: 0-10</a:t>
-            </a:r>
-            <a:r>
-              <a:rPr lang="ko-KR" altLang="en-US" dirty="0"/>
-              <a:t>세</a:t>
-            </a:r>
-            <a:endParaRPr lang="en-US" altLang="ko-KR" dirty="0"/>
-          </a:p>
-          <a:p>
-            <a:pPr marL="285750" indent="-285750">
-              <a:lnSpc>
-                <a:spcPct val="200000"/>
-              </a:lnSpc>
-              <a:buFont typeface="Arial" panose="020B0604020202020204" pitchFamily="34" charset="0"/>
-              <a:buChar char="•"/>
-            </a:pPr>
-            <a:r>
-              <a:rPr lang="ko-KR" altLang="en-US" dirty="0"/>
-              <a:t>가장 낮은 </a:t>
-            </a:r>
-            <a:r>
-              <a:rPr lang="ko-KR" altLang="en-US" dirty="0" err="1"/>
-              <a:t>생존률의</a:t>
-            </a:r>
-            <a:r>
-              <a:rPr lang="ko-KR" altLang="en-US" dirty="0"/>
-              <a:t> </a:t>
-            </a:r>
-            <a:r>
-              <a:rPr lang="ko-KR" altLang="en-US" dirty="0" err="1"/>
-              <a:t>나이대</a:t>
-            </a:r>
-            <a:r>
-              <a:rPr lang="en-US" altLang="ko-KR" dirty="0"/>
-              <a:t>: 61-70</a:t>
-            </a:r>
-            <a:r>
-              <a:rPr lang="ko-KR" altLang="en-US" dirty="0"/>
-              <a:t>세</a:t>
-            </a:r>
-            <a:endParaRPr lang="en-US" altLang="ko-KR" dirty="0"/>
-          </a:p>
-          <a:p>
-            <a:pPr marL="285750" indent="-285750">
-              <a:lnSpc>
-                <a:spcPct val="200000"/>
-              </a:lnSpc>
-              <a:buFont typeface="Arial" panose="020B0604020202020204" pitchFamily="34" charset="0"/>
-              <a:buChar char="•"/>
-            </a:pPr>
-            <a:r>
-              <a:rPr lang="ko-KR" altLang="en-US" dirty="0"/>
-              <a:t>가장 많은 인원수의 </a:t>
-            </a:r>
-            <a:r>
-              <a:rPr lang="ko-KR" altLang="en-US" dirty="0" err="1"/>
-              <a:t>나이대</a:t>
-            </a:r>
-            <a:r>
-              <a:rPr lang="en-US" altLang="ko-KR" dirty="0"/>
-              <a:t>: 21-30</a:t>
-            </a:r>
-            <a:r>
-              <a:rPr lang="ko-KR" altLang="en-US" dirty="0"/>
-              <a:t>세</a:t>
-            </a:r>
-            <a:r>
-              <a:rPr lang="en-US" altLang="ko-KR" dirty="0"/>
-              <a:t>(229</a:t>
-            </a:r>
-            <a:r>
-              <a:rPr lang="ko-KR" altLang="en-US" dirty="0"/>
-              <a:t>명</a:t>
-            </a:r>
-            <a:r>
-              <a:rPr lang="en-US" altLang="ko-KR" dirty="0"/>
-              <a:t>)</a:t>
-            </a:r>
-          </a:p>
-          <a:p>
-            <a:pPr marL="285750" indent="-285750">
-              <a:lnSpc>
-                <a:spcPct val="200000"/>
-              </a:lnSpc>
-              <a:buFont typeface="Arial" panose="020B0604020202020204" pitchFamily="34" charset="0"/>
-              <a:buChar char="•"/>
-            </a:pPr>
-            <a:r>
-              <a:rPr lang="ko-KR" altLang="en-US" dirty="0"/>
-              <a:t>가장 적은 인원수의 </a:t>
-            </a:r>
-            <a:r>
-              <a:rPr lang="ko-KR" altLang="en-US" dirty="0" err="1"/>
-              <a:t>나이대</a:t>
-            </a:r>
-            <a:r>
-              <a:rPr lang="en-US" altLang="ko-KR" dirty="0"/>
-              <a:t>: 61-70</a:t>
-            </a:r>
-            <a:r>
-              <a:rPr lang="ko-KR" altLang="en-US" dirty="0"/>
-              <a:t>세</a:t>
-            </a:r>
-            <a:r>
-              <a:rPr lang="en-US" altLang="ko-KR" dirty="0"/>
-              <a:t>(8</a:t>
-            </a:r>
-            <a:r>
-              <a:rPr lang="ko-KR" altLang="en-US" dirty="0"/>
-              <a:t>명</a:t>
-            </a:r>
-            <a:r>
-              <a:rPr lang="en-US" altLang="ko-KR" dirty="0"/>
-              <a:t>)</a:t>
-            </a:r>
-          </a:p>
-          <a:p>
-            <a:pPr marL="285750" indent="-285750">
-              <a:lnSpc>
-                <a:spcPct val="200000"/>
-              </a:lnSpc>
-              <a:buFont typeface="Arial" panose="020B0604020202020204" pitchFamily="34" charset="0"/>
-              <a:buChar char="•"/>
-            </a:pPr>
-            <a:r>
-              <a:rPr lang="en-US" altLang="ko-KR" b="1" dirty="0"/>
-              <a:t>0-10</a:t>
-            </a:r>
-            <a:r>
-              <a:rPr lang="ko-KR" altLang="en-US" b="1" dirty="0"/>
-              <a:t>세의 </a:t>
-            </a:r>
-            <a:r>
-              <a:rPr lang="ko-KR" altLang="en-US" b="1" dirty="0" err="1"/>
-              <a:t>생존률이</a:t>
-            </a:r>
-            <a:r>
-              <a:rPr lang="ko-KR" altLang="en-US" b="1" dirty="0"/>
-              <a:t> 가장 높고 </a:t>
-            </a:r>
-            <a:r>
-              <a:rPr lang="en-US" altLang="ko-KR" b="1" dirty="0"/>
-              <a:t>11-60</a:t>
-            </a:r>
-            <a:r>
-              <a:rPr lang="ko-KR" altLang="en-US" b="1" dirty="0"/>
-              <a:t>세 까지의 </a:t>
-            </a:r>
-            <a:r>
-              <a:rPr lang="ko-KR" altLang="en-US" b="1" dirty="0" err="1"/>
-              <a:t>생존률은</a:t>
-            </a:r>
-            <a:r>
-              <a:rPr lang="ko-KR" altLang="en-US" b="1" dirty="0"/>
-              <a:t> 비슷하다는 점을 알 수 있다</a:t>
-            </a:r>
-            <a:r>
-              <a:rPr lang="en-US" altLang="ko-KR" b="1" dirty="0"/>
-              <a:t>.</a:t>
-            </a:r>
-          </a:p>
-        </p:txBody>
-      </p:sp>
     </p:spTree>
     <p:extLst>
       <p:ext uri="{BB962C8B-B14F-4D97-AF65-F5344CB8AC3E}">

--- a/Train_Lee/project_titnic.pptx
+++ b/Train_Lee/project_titnic.pptx
@@ -3776,16 +3776,12 @@
           <a:lstStyle/>
           <a:p>
             <a:r>
-              <a:rPr lang="en-US" altLang="ko-KR" sz="4000" dirty="0"/>
+              <a:rPr lang="en-US" altLang="ko-KR" sz="4000"/>
               <a:t>2. </a:t>
             </a:r>
             <a:r>
-              <a:rPr lang="ko-KR" altLang="en-US" sz="4000" dirty="0"/>
-              <a:t>연령 별 </a:t>
-            </a:r>
-            <a:r>
-              <a:rPr lang="ko-KR" altLang="en-US" sz="4000" dirty="0" err="1"/>
-              <a:t>생존률</a:t>
+              <a:rPr lang="ko-KR" altLang="en-US" sz="4000"/>
+              <a:t>연령 별 생존률</a:t>
             </a:r>
             <a:endParaRPr lang="ko-KR" altLang="en-US" sz="4000" dirty="0"/>
           </a:p>
@@ -3832,40 +3828,13 @@
             </a:r>
             <a:r>
               <a:rPr lang="en-US" altLang="ko-KR" dirty="0"/>
-              <a:t>: 708</a:t>
+              <a:t>: 891</a:t>
             </a:r>
             <a:r>
               <a:rPr lang="ko-KR" altLang="en-US" dirty="0"/>
               <a:t>명 </a:t>
             </a:r>
             <a:endParaRPr lang="en-US" altLang="ko-KR" dirty="0"/>
-          </a:p>
-          <a:p>
-            <a:pPr>
-              <a:lnSpc>
-                <a:spcPct val="200000"/>
-              </a:lnSpc>
-            </a:pPr>
-            <a:r>
-              <a:rPr lang="en-US" altLang="ko-KR" dirty="0"/>
-              <a:t>    (</a:t>
-            </a:r>
-            <a:r>
-              <a:rPr lang="ko-KR" altLang="en-US" dirty="0"/>
-              <a:t>나이 정보 없는 사람 </a:t>
-            </a:r>
-            <a:r>
-              <a:rPr lang="en-US" altLang="ko-KR" dirty="0"/>
-              <a:t>183</a:t>
-            </a:r>
-            <a:r>
-              <a:rPr lang="ko-KR" altLang="en-US" dirty="0"/>
-              <a:t>명을 뺀 인원 수 </a:t>
-            </a:r>
-            <a:r>
-              <a:rPr lang="en-US" altLang="ko-KR" dirty="0"/>
-              <a:t>)</a:t>
-            </a:r>
           </a:p>
           <a:p>
             <a:pPr marL="285750" indent="-285750">
@@ -3893,7 +3862,7 @@
             </a:r>
             <a:r>
               <a:rPr lang="en-US" altLang="ko-KR" dirty="0"/>
-              <a:t>: 0-10</a:t>
+              <a:t>: 80-90</a:t>
             </a:r>
             <a:r>
               <a:rPr lang="ko-KR" altLang="en-US" dirty="0"/>
@@ -3927,7 +3896,7 @@
             </a:r>
             <a:r>
               <a:rPr lang="en-US" altLang="ko-KR" dirty="0"/>
-              <a:t>: 61-70</a:t>
+              <a:t>: 70-80</a:t>
             </a:r>
             <a:r>
               <a:rPr lang="ko-KR" altLang="en-US" dirty="0"/>
@@ -3953,7 +3922,7 @@
             </a:r>
             <a:r>
               <a:rPr lang="en-US" altLang="ko-KR" dirty="0"/>
-              <a:t>: 21-30</a:t>
+              <a:t>: 20-30</a:t>
             </a:r>
             <a:r>
               <a:rPr lang="ko-KR" altLang="en-US" dirty="0"/>
@@ -3961,7 +3930,7 @@
             </a:r>
             <a:r>
               <a:rPr lang="en-US" altLang="ko-KR" dirty="0"/>
-              <a:t>(229</a:t>
+              <a:t>(220</a:t>
             </a:r>
             <a:r>
               <a:rPr lang="ko-KR" altLang="en-US" dirty="0"/>
@@ -3990,7 +3959,7 @@
             </a:r>
             <a:r>
               <a:rPr lang="en-US" altLang="ko-KR" dirty="0"/>
-              <a:t>: 61-70</a:t>
+              <a:t>: 80-90</a:t>
             </a:r>
             <a:r>
               <a:rPr lang="ko-KR" altLang="en-US" dirty="0"/>
@@ -3998,7 +3967,7 @@
             </a:r>
             <a:r>
               <a:rPr lang="en-US" altLang="ko-KR" dirty="0"/>
-              <a:t>(8</a:t>
+              <a:t>(1</a:t>
             </a:r>
             <a:r>
               <a:rPr lang="ko-KR" altLang="en-US" dirty="0"/>
@@ -4019,7 +3988,7 @@
             </a:pPr>
             <a:r>
               <a:rPr lang="en-US" altLang="ko-KR" b="1" dirty="0"/>
-              <a:t>0-10</a:t>
+              <a:t>80-89</a:t>
             </a:r>
             <a:r>
               <a:rPr lang="ko-KR" altLang="en-US" b="1" dirty="0"/>
@@ -4031,23 +4000,31 @@
             </a:r>
             <a:r>
               <a:rPr lang="ko-KR" altLang="en-US" b="1" dirty="0"/>
-              <a:t> 가장 높고 </a:t>
+              <a:t> 가장 높지만 인원수가 </a:t>
             </a:r>
             <a:r>
               <a:rPr lang="en-US" altLang="ko-KR" b="1" dirty="0"/>
-              <a:t>11-60</a:t>
+              <a:t>1</a:t>
             </a:r>
             <a:r>
               <a:rPr lang="ko-KR" altLang="en-US" b="1" dirty="0"/>
-              <a:t>세 까지의 </a:t>
+              <a:t>명이므로 </a:t>
+            </a:r>
+            <a:r>
+              <a:rPr lang="en-US" altLang="ko-KR" b="1" dirty="0"/>
+              <a:t>0-9</a:t>
+            </a:r>
+            <a:r>
+              <a:rPr lang="ko-KR" altLang="en-US" b="1" dirty="0"/>
+              <a:t>세까지의 </a:t>
             </a:r>
             <a:r>
               <a:rPr lang="ko-KR" altLang="en-US" b="1" dirty="0" err="1"/>
-              <a:t>생존률은</a:t>
+              <a:t>생존률이</a:t>
             </a:r>
             <a:r>
               <a:rPr lang="ko-KR" altLang="en-US" b="1" dirty="0"/>
-              <a:t> 비슷하다는 점을 알 수 있다</a:t>
+              <a:t> 가장 높다고 볼 수 있다</a:t>
             </a:r>
             <a:r>
               <a:rPr lang="en-US" altLang="ko-KR" b="1" dirty="0"/>
@@ -4058,10 +4035,10 @@
       </p:sp>
       <p:pic>
         <p:nvPicPr>
-          <p:cNvPr id="8" name="그림 7">
-            <a:extLst>
-              <a:ext uri="{FF2B5EF4-FFF2-40B4-BE49-F238E27FC236}">
-                <a16:creationId xmlns:a16="http://schemas.microsoft.com/office/drawing/2014/main" id="{BD550ABE-9C94-357D-D855-B8C4EDCB7ECE}"/>
+          <p:cNvPr id="12" name="그림 11">
+            <a:extLst>
+              <a:ext uri="{FF2B5EF4-FFF2-40B4-BE49-F238E27FC236}">
+                <a16:creationId xmlns:a16="http://schemas.microsoft.com/office/drawing/2014/main" id="{26B8F9A5-DC45-C0ED-0D50-1FB2F900443E}"/>
               </a:ext>
             </a:extLst>
           </p:cNvPr>
@@ -4079,7 +4056,7 @@
         <p:spPr>
           <a:xfrm>
             <a:off x="838200" y="1690688"/>
-            <a:ext cx="5505450" cy="4267200"/>
+            <a:ext cx="5372100" cy="4286250"/>
           </a:xfrm>
           <a:prstGeom prst="rect">
             <a:avLst/>
@@ -5086,12 +5063,204 @@
           </a:p>
         </p:txBody>
       </p:sp>
+      <p:sp>
+        <p:nvSpPr>
+          <p:cNvPr id="3" name="TextBox 2">
+            <a:extLst>
+              <a:ext uri="{FF2B5EF4-FFF2-40B4-BE49-F238E27FC236}">
+                <a16:creationId xmlns:a16="http://schemas.microsoft.com/office/drawing/2014/main" id="{035ADA09-1D53-0ACD-D319-2E89C9C5317B}"/>
+              </a:ext>
+            </a:extLst>
+          </p:cNvPr>
+          <p:cNvSpPr txBox="1"/>
+          <p:nvPr/>
+        </p:nvSpPr>
+        <p:spPr>
+          <a:xfrm>
+            <a:off x="6811715" y="2184277"/>
+            <a:ext cx="5261752" cy="3882153"/>
+          </a:xfrm>
+          <a:prstGeom prst="rect">
+            <a:avLst/>
+          </a:prstGeom>
+          <a:noFill/>
+        </p:spPr>
+        <p:txBody>
+          <a:bodyPr wrap="square" rtlCol="0">
+            <a:spAutoFit/>
+          </a:bodyPr>
+          <a:lstStyle/>
+          <a:p>
+            <a:pPr marL="285750" indent="-285750">
+              <a:lnSpc>
+                <a:spcPct val="200000"/>
+              </a:lnSpc>
+              <a:buFont typeface="Arial" panose="020B0604020202020204" pitchFamily="34" charset="0"/>
+              <a:buChar char="•"/>
+            </a:pPr>
+            <a:r>
+              <a:rPr lang="ko-KR" altLang="en-US" dirty="0"/>
+              <a:t>총 인원</a:t>
+            </a:r>
+            <a:r>
+              <a:rPr lang="en-US" altLang="ko-KR" dirty="0"/>
+              <a:t>: 891</a:t>
+            </a:r>
+            <a:r>
+              <a:rPr lang="ko-KR" altLang="en-US" dirty="0"/>
+              <a:t>명</a:t>
+            </a:r>
+            <a:endParaRPr lang="en-US" altLang="ko-KR" dirty="0"/>
+          </a:p>
+          <a:p>
+            <a:pPr marL="285750" indent="-285750">
+              <a:lnSpc>
+                <a:spcPct val="200000"/>
+              </a:lnSpc>
+              <a:buFont typeface="Arial" panose="020B0604020202020204" pitchFamily="34" charset="0"/>
+              <a:buChar char="•"/>
+            </a:pPr>
+            <a:r>
+              <a:rPr lang="ko-KR" altLang="en-US" dirty="0"/>
+              <a:t>가장 높은 </a:t>
+            </a:r>
+            <a:r>
+              <a:rPr lang="ko-KR" altLang="en-US" dirty="0" err="1"/>
+              <a:t>생존률의</a:t>
+            </a:r>
+            <a:r>
+              <a:rPr lang="ko-KR" altLang="en-US" dirty="0"/>
+              <a:t> 티켓 요금</a:t>
+            </a:r>
+            <a:r>
+              <a:rPr lang="en-US" altLang="ko-KR" dirty="0"/>
+              <a:t>: over_50</a:t>
+            </a:r>
+          </a:p>
+          <a:p>
+            <a:pPr marL="285750" indent="-285750">
+              <a:lnSpc>
+                <a:spcPct val="200000"/>
+              </a:lnSpc>
+              <a:buFont typeface="Arial" panose="020B0604020202020204" pitchFamily="34" charset="0"/>
+              <a:buChar char="•"/>
+            </a:pPr>
+            <a:r>
+              <a:rPr lang="ko-KR" altLang="en-US" dirty="0"/>
+              <a:t>가장 낮은 </a:t>
+            </a:r>
+            <a:r>
+              <a:rPr lang="ko-KR" altLang="en-US" dirty="0" err="1"/>
+              <a:t>생존률의</a:t>
+            </a:r>
+            <a:r>
+              <a:rPr lang="ko-KR" altLang="en-US" dirty="0"/>
+              <a:t> 티켓 요금</a:t>
+            </a:r>
+            <a:r>
+              <a:rPr lang="en-US" altLang="ko-KR" dirty="0"/>
+              <a:t>: 0-10</a:t>
+            </a:r>
+          </a:p>
+          <a:p>
+            <a:pPr marL="285750" indent="-285750">
+              <a:lnSpc>
+                <a:spcPct val="200000"/>
+              </a:lnSpc>
+              <a:buFont typeface="Arial" panose="020B0604020202020204" pitchFamily="34" charset="0"/>
+              <a:buChar char="•"/>
+            </a:pPr>
+            <a:r>
+              <a:rPr lang="ko-KR" altLang="en-US" dirty="0"/>
+              <a:t>가장 많은 인원수의 티켓 요금</a:t>
+            </a:r>
+            <a:r>
+              <a:rPr lang="en-US" altLang="ko-KR" dirty="0"/>
+              <a:t>: 0-10(336</a:t>
+            </a:r>
+            <a:r>
+              <a:rPr lang="ko-KR" altLang="en-US" dirty="0"/>
+              <a:t>명</a:t>
+            </a:r>
+            <a:r>
+              <a:rPr lang="en-US" altLang="ko-KR" dirty="0"/>
+              <a:t>)</a:t>
+            </a:r>
+          </a:p>
+          <a:p>
+            <a:pPr marL="285750" indent="-285750">
+              <a:lnSpc>
+                <a:spcPct val="200000"/>
+              </a:lnSpc>
+              <a:buFont typeface="Arial" panose="020B0604020202020204" pitchFamily="34" charset="0"/>
+              <a:buChar char="•"/>
+            </a:pPr>
+            <a:r>
+              <a:rPr lang="ko-KR" altLang="en-US" dirty="0"/>
+              <a:t>가장 적은 인원수의 티켓 요금</a:t>
+            </a:r>
+            <a:r>
+              <a:rPr lang="en-US" altLang="ko-KR" dirty="0"/>
+              <a:t>: 41-50(15</a:t>
+            </a:r>
+            <a:r>
+              <a:rPr lang="ko-KR" altLang="en-US" dirty="0"/>
+              <a:t>명</a:t>
+            </a:r>
+            <a:r>
+              <a:rPr lang="en-US" altLang="ko-KR" dirty="0"/>
+              <a:t>)</a:t>
+            </a:r>
+          </a:p>
+          <a:p>
+            <a:pPr marL="285750" indent="-285750">
+              <a:lnSpc>
+                <a:spcPct val="200000"/>
+              </a:lnSpc>
+              <a:buFont typeface="Arial" panose="020B0604020202020204" pitchFamily="34" charset="0"/>
+              <a:buChar char="•"/>
+            </a:pPr>
+            <a:r>
+              <a:rPr lang="ko-KR" altLang="en-US" b="1" dirty="0"/>
+              <a:t>요금이 </a:t>
+            </a:r>
+            <a:r>
+              <a:rPr lang="en-US" altLang="ko-KR" b="1" dirty="0"/>
+              <a:t>50</a:t>
+            </a:r>
+            <a:r>
+              <a:rPr lang="ko-KR" altLang="en-US" b="1" dirty="0"/>
+              <a:t>달러를</a:t>
+            </a:r>
+            <a:r>
+              <a:rPr lang="en-US" altLang="ko-KR" b="1" dirty="0"/>
+              <a:t> </a:t>
+            </a:r>
+            <a:r>
+              <a:rPr lang="ko-KR" altLang="en-US" b="1" dirty="0"/>
+              <a:t>넘는 사람들의 </a:t>
+            </a:r>
+            <a:r>
+              <a:rPr lang="ko-KR" altLang="en-US" b="1" dirty="0" err="1"/>
+              <a:t>생존률이</a:t>
+            </a:r>
+            <a:r>
+              <a:rPr lang="ko-KR" altLang="en-US" b="1" dirty="0"/>
+              <a:t> 가장 높다는 것을 알 수 있다</a:t>
+            </a:r>
+            <a:r>
+              <a:rPr lang="en-US" altLang="ko-KR" b="1" dirty="0"/>
+              <a:t>.</a:t>
+            </a:r>
+          </a:p>
+        </p:txBody>
+      </p:sp>
       <p:pic>
         <p:nvPicPr>
-          <p:cNvPr id="4" name="내용 개체 틀 4">
-            <a:extLst>
-              <a:ext uri="{FF2B5EF4-FFF2-40B4-BE49-F238E27FC236}">
-                <a16:creationId xmlns:a16="http://schemas.microsoft.com/office/drawing/2014/main" id="{8E4F48AD-D8C5-AC50-1F5A-6A3BDCEEB925}"/>
+          <p:cNvPr id="6" name="그림 5">
+            <a:extLst>
+              <a:ext uri="{FF2B5EF4-FFF2-40B4-BE49-F238E27FC236}">
+                <a16:creationId xmlns:a16="http://schemas.microsoft.com/office/drawing/2014/main" id="{14B9A4A6-86F4-5D95-D185-3CE52B364F49}"/>
               </a:ext>
             </a:extLst>
           </p:cNvPr>
@@ -5108,206 +5277,14 @@
         </p:blipFill>
         <p:spPr>
           <a:xfrm>
-            <a:off x="838200" y="1909763"/>
-            <a:ext cx="5591175" cy="4267200"/>
+            <a:off x="838200" y="1690688"/>
+            <a:ext cx="5562600" cy="4257675"/>
           </a:xfrm>
           <a:prstGeom prst="rect">
             <a:avLst/>
           </a:prstGeom>
         </p:spPr>
       </p:pic>
-      <p:sp>
-        <p:nvSpPr>
-          <p:cNvPr id="3" name="TextBox 2">
-            <a:extLst>
-              <a:ext uri="{FF2B5EF4-FFF2-40B4-BE49-F238E27FC236}">
-                <a16:creationId xmlns:a16="http://schemas.microsoft.com/office/drawing/2014/main" id="{035ADA09-1D53-0ACD-D319-2E89C9C5317B}"/>
-              </a:ext>
-            </a:extLst>
-          </p:cNvPr>
-          <p:cNvSpPr txBox="1"/>
-          <p:nvPr/>
-        </p:nvSpPr>
-        <p:spPr>
-          <a:xfrm>
-            <a:off x="6811715" y="2184277"/>
-            <a:ext cx="5261752" cy="3882153"/>
-          </a:xfrm>
-          <a:prstGeom prst="rect">
-            <a:avLst/>
-          </a:prstGeom>
-          <a:noFill/>
-        </p:spPr>
-        <p:txBody>
-          <a:bodyPr wrap="square" rtlCol="0">
-            <a:spAutoFit/>
-          </a:bodyPr>
-          <a:lstStyle/>
-          <a:p>
-            <a:pPr marL="285750" indent="-285750">
-              <a:lnSpc>
-                <a:spcPct val="200000"/>
-              </a:lnSpc>
-              <a:buFont typeface="Arial" panose="020B0604020202020204" pitchFamily="34" charset="0"/>
-              <a:buChar char="•"/>
-            </a:pPr>
-            <a:r>
-              <a:rPr lang="ko-KR" altLang="en-US" dirty="0"/>
-              <a:t>총 인원</a:t>
-            </a:r>
-            <a:r>
-              <a:rPr lang="en-US" altLang="ko-KR" dirty="0"/>
-              <a:t>: 891</a:t>
-            </a:r>
-            <a:r>
-              <a:rPr lang="ko-KR" altLang="en-US" dirty="0"/>
-              <a:t>명</a:t>
-            </a:r>
-            <a:endParaRPr lang="en-US" altLang="ko-KR" dirty="0"/>
-          </a:p>
-          <a:p>
-            <a:pPr marL="285750" indent="-285750">
-              <a:lnSpc>
-                <a:spcPct val="200000"/>
-              </a:lnSpc>
-              <a:buFont typeface="Arial" panose="020B0604020202020204" pitchFamily="34" charset="0"/>
-              <a:buChar char="•"/>
-            </a:pPr>
-            <a:r>
-              <a:rPr lang="ko-KR" altLang="en-US" dirty="0"/>
-              <a:t>가장 높은 </a:t>
-            </a:r>
-            <a:r>
-              <a:rPr lang="ko-KR" altLang="en-US" dirty="0" err="1"/>
-              <a:t>생존률의</a:t>
-            </a:r>
-            <a:r>
-              <a:rPr lang="ko-KR" altLang="en-US" dirty="0"/>
-              <a:t> 티켓 요금</a:t>
-            </a:r>
-            <a:r>
-              <a:rPr lang="en-US" altLang="ko-KR" dirty="0"/>
-              <a:t>: 91-100</a:t>
-            </a:r>
-          </a:p>
-          <a:p>
-            <a:pPr marL="285750" indent="-285750">
-              <a:lnSpc>
-                <a:spcPct val="200000"/>
-              </a:lnSpc>
-              <a:buFont typeface="Arial" panose="020B0604020202020204" pitchFamily="34" charset="0"/>
-              <a:buChar char="•"/>
-            </a:pPr>
-            <a:r>
-              <a:rPr lang="ko-KR" altLang="en-US" dirty="0"/>
-              <a:t>가장 낮은 </a:t>
-            </a:r>
-            <a:r>
-              <a:rPr lang="ko-KR" altLang="en-US" dirty="0" err="1"/>
-              <a:t>생존률의</a:t>
-            </a:r>
-            <a:r>
-              <a:rPr lang="ko-KR" altLang="en-US" dirty="0"/>
-              <a:t> 티켓 요금</a:t>
-            </a:r>
-            <a:r>
-              <a:rPr lang="en-US" altLang="ko-KR" dirty="0"/>
-              <a:t>: 61-70</a:t>
-            </a:r>
-          </a:p>
-          <a:p>
-            <a:pPr marL="285750" indent="-285750">
-              <a:lnSpc>
-                <a:spcPct val="200000"/>
-              </a:lnSpc>
-              <a:buFont typeface="Arial" panose="020B0604020202020204" pitchFamily="34" charset="0"/>
-              <a:buChar char="•"/>
-            </a:pPr>
-            <a:r>
-              <a:rPr lang="ko-KR" altLang="en-US" dirty="0"/>
-              <a:t>가장 많은 인원수의 티켓 요금</a:t>
-            </a:r>
-            <a:r>
-              <a:rPr lang="en-US" altLang="ko-KR" dirty="0"/>
-              <a:t>: 0-10(336</a:t>
-            </a:r>
-            <a:r>
-              <a:rPr lang="ko-KR" altLang="en-US" dirty="0"/>
-              <a:t>명</a:t>
-            </a:r>
-            <a:r>
-              <a:rPr lang="en-US" altLang="ko-KR" dirty="0"/>
-              <a:t>)</a:t>
-            </a:r>
-          </a:p>
-          <a:p>
-            <a:pPr marL="285750" indent="-285750">
-              <a:lnSpc>
-                <a:spcPct val="200000"/>
-              </a:lnSpc>
-              <a:buFont typeface="Arial" panose="020B0604020202020204" pitchFamily="34" charset="0"/>
-              <a:buChar char="•"/>
-            </a:pPr>
-            <a:r>
-              <a:rPr lang="ko-KR" altLang="en-US" dirty="0"/>
-              <a:t>가장 적은 인원수의 티켓 요금</a:t>
-            </a:r>
-            <a:r>
-              <a:rPr lang="en-US" altLang="ko-KR" dirty="0"/>
-              <a:t>: 91-100(4</a:t>
-            </a:r>
-            <a:r>
-              <a:rPr lang="ko-KR" altLang="en-US" dirty="0"/>
-              <a:t>명</a:t>
-            </a:r>
-            <a:r>
-              <a:rPr lang="en-US" altLang="ko-KR" dirty="0"/>
-              <a:t>)</a:t>
-            </a:r>
-          </a:p>
-          <a:p>
-            <a:pPr marL="285750" indent="-285750">
-              <a:lnSpc>
-                <a:spcPct val="200000"/>
-              </a:lnSpc>
-              <a:buFont typeface="Arial" panose="020B0604020202020204" pitchFamily="34" charset="0"/>
-              <a:buChar char="•"/>
-            </a:pPr>
-            <a:r>
-              <a:rPr lang="ko-KR" altLang="en-US" b="1" dirty="0"/>
-              <a:t>가장 비싼 요금</a:t>
-            </a:r>
-            <a:r>
-              <a:rPr lang="en-US" altLang="ko-KR" b="1" dirty="0"/>
-              <a:t>(91-100)</a:t>
-            </a:r>
-            <a:r>
-              <a:rPr lang="ko-KR" altLang="en-US" b="1" dirty="0"/>
-              <a:t>의 티켓인 </a:t>
-            </a:r>
-            <a:r>
-              <a:rPr lang="ko-KR" altLang="en-US" b="1" dirty="0" err="1"/>
-              <a:t>생존률은</a:t>
-            </a:r>
-            <a:r>
-              <a:rPr lang="ko-KR" altLang="en-US" b="1" dirty="0"/>
-              <a:t> </a:t>
-            </a:r>
-            <a:r>
-              <a:rPr lang="en-US" altLang="ko-KR" b="1" dirty="0"/>
-              <a:t>100%</a:t>
-            </a:r>
-            <a:r>
-              <a:rPr lang="ko-KR" altLang="en-US" b="1" dirty="0"/>
-              <a:t>이다</a:t>
-            </a:r>
-            <a:r>
-              <a:rPr lang="en-US" altLang="ko-KR" b="1" dirty="0"/>
-              <a:t>.</a:t>
-            </a:r>
-          </a:p>
-        </p:txBody>
-      </p:sp>
     </p:spTree>
     <p:extLst>
       <p:ext uri="{BB962C8B-B14F-4D97-AF65-F5344CB8AC3E}">
